--- a/ganesh/week92/Fine-Tuning.pptx
+++ b/ganesh/week92/Fine-Tuning.pptx
@@ -9,7 +9,10 @@
     <p:sldId id="257" r:id="rId3"/>
     <p:sldId id="258" r:id="rId4"/>
     <p:sldId id="259" r:id="rId5"/>
-    <p:sldId id="260" r:id="rId6"/>
+    <p:sldId id="261" r:id="rId6"/>
+    <p:sldId id="264" r:id="rId7"/>
+    <p:sldId id="265" r:id="rId8"/>
+    <p:sldId id="260" r:id="rId9"/>
   </p:sldIdLst>
   <p:sldSz cx="12192000" cy="6858000"/>
   <p:notesSz cx="6858000" cy="9144000"/>
@@ -265,7 +268,7 @@
           <a:p>
             <a:fld id="{8E1C2BD9-11F7-40DB-8A90-3DBF33EE24CB}" type="datetimeFigureOut">
               <a:rPr lang="en-IN" smtClean="0"/>
-              <a:t>05-04-2024</a:t>
+              <a:t>19-04-2024</a:t>
             </a:fld>
             <a:endParaRPr lang="en-IN" dirty="0"/>
           </a:p>
@@ -465,7 +468,7 @@
           <a:p>
             <a:fld id="{8E1C2BD9-11F7-40DB-8A90-3DBF33EE24CB}" type="datetimeFigureOut">
               <a:rPr lang="en-IN" smtClean="0"/>
-              <a:t>05-04-2024</a:t>
+              <a:t>19-04-2024</a:t>
             </a:fld>
             <a:endParaRPr lang="en-IN" dirty="0"/>
           </a:p>
@@ -675,7 +678,7 @@
           <a:p>
             <a:fld id="{8E1C2BD9-11F7-40DB-8A90-3DBF33EE24CB}" type="datetimeFigureOut">
               <a:rPr lang="en-IN" smtClean="0"/>
-              <a:t>05-04-2024</a:t>
+              <a:t>19-04-2024</a:t>
             </a:fld>
             <a:endParaRPr lang="en-IN" dirty="0"/>
           </a:p>
@@ -875,7 +878,7 @@
           <a:p>
             <a:fld id="{8E1C2BD9-11F7-40DB-8A90-3DBF33EE24CB}" type="datetimeFigureOut">
               <a:rPr lang="en-IN" smtClean="0"/>
-              <a:t>05-04-2024</a:t>
+              <a:t>19-04-2024</a:t>
             </a:fld>
             <a:endParaRPr lang="en-IN" dirty="0"/>
           </a:p>
@@ -1151,7 +1154,7 @@
           <a:p>
             <a:fld id="{8E1C2BD9-11F7-40DB-8A90-3DBF33EE24CB}" type="datetimeFigureOut">
               <a:rPr lang="en-IN" smtClean="0"/>
-              <a:t>05-04-2024</a:t>
+              <a:t>19-04-2024</a:t>
             </a:fld>
             <a:endParaRPr lang="en-IN" dirty="0"/>
           </a:p>
@@ -1419,7 +1422,7 @@
           <a:p>
             <a:fld id="{8E1C2BD9-11F7-40DB-8A90-3DBF33EE24CB}" type="datetimeFigureOut">
               <a:rPr lang="en-IN" smtClean="0"/>
-              <a:t>05-04-2024</a:t>
+              <a:t>19-04-2024</a:t>
             </a:fld>
             <a:endParaRPr lang="en-IN" dirty="0"/>
           </a:p>
@@ -1834,7 +1837,7 @@
           <a:p>
             <a:fld id="{8E1C2BD9-11F7-40DB-8A90-3DBF33EE24CB}" type="datetimeFigureOut">
               <a:rPr lang="en-IN" smtClean="0"/>
-              <a:t>05-04-2024</a:t>
+              <a:t>19-04-2024</a:t>
             </a:fld>
             <a:endParaRPr lang="en-IN" dirty="0"/>
           </a:p>
@@ -1976,7 +1979,7 @@
           <a:p>
             <a:fld id="{8E1C2BD9-11F7-40DB-8A90-3DBF33EE24CB}" type="datetimeFigureOut">
               <a:rPr lang="en-IN" smtClean="0"/>
-              <a:t>05-04-2024</a:t>
+              <a:t>19-04-2024</a:t>
             </a:fld>
             <a:endParaRPr lang="en-IN" dirty="0"/>
           </a:p>
@@ -2089,7 +2092,7 @@
           <a:p>
             <a:fld id="{8E1C2BD9-11F7-40DB-8A90-3DBF33EE24CB}" type="datetimeFigureOut">
               <a:rPr lang="en-IN" smtClean="0"/>
-              <a:t>05-04-2024</a:t>
+              <a:t>19-04-2024</a:t>
             </a:fld>
             <a:endParaRPr lang="en-IN" dirty="0"/>
           </a:p>
@@ -2402,7 +2405,7 @@
           <a:p>
             <a:fld id="{8E1C2BD9-11F7-40DB-8A90-3DBF33EE24CB}" type="datetimeFigureOut">
               <a:rPr lang="en-IN" smtClean="0"/>
-              <a:t>05-04-2024</a:t>
+              <a:t>19-04-2024</a:t>
             </a:fld>
             <a:endParaRPr lang="en-IN" dirty="0"/>
           </a:p>
@@ -2691,7 +2694,7 @@
           <a:p>
             <a:fld id="{8E1C2BD9-11F7-40DB-8A90-3DBF33EE24CB}" type="datetimeFigureOut">
               <a:rPr lang="en-IN" smtClean="0"/>
-              <a:t>05-04-2024</a:t>
+              <a:t>19-04-2024</a:t>
             </a:fld>
             <a:endParaRPr lang="en-IN" dirty="0"/>
           </a:p>
@@ -2934,7 +2937,7 @@
           <a:p>
             <a:fld id="{8E1C2BD9-11F7-40DB-8A90-3DBF33EE24CB}" type="datetimeFigureOut">
               <a:rPr lang="en-IN" smtClean="0"/>
-              <a:t>05-04-2024</a:t>
+              <a:t>19-04-2024</a:t>
             </a:fld>
             <a:endParaRPr lang="en-IN" dirty="0"/>
           </a:p>
@@ -3450,7 +3453,7 @@
               <a:rPr lang="en-IN" dirty="0">
                 <a:latin typeface="Dutch801 XBd BT" panose="02020903060505020304" pitchFamily="18" charset="0"/>
               </a:rPr>
-              <a:t>Intrduction:</a:t>
+              <a:t>Introduction:</a:t>
             </a:r>
           </a:p>
         </p:txBody>
@@ -3654,6 +3657,466 @@
 </file>
 
 <file path=ppt/slides/slide5.xml><?xml version="1.0" encoding="utf-8"?>
+<p:sld xmlns:a="http://schemas.openxmlformats.org/drawingml/2006/main" xmlns:r="http://schemas.openxmlformats.org/officeDocument/2006/relationships" xmlns:p="http://schemas.openxmlformats.org/presentationml/2006/main">
+  <p:cSld>
+    <p:spTree>
+      <p:nvGrpSpPr>
+        <p:cNvPr id="1" name=""/>
+        <p:cNvGrpSpPr/>
+        <p:nvPr/>
+      </p:nvGrpSpPr>
+      <p:grpSpPr>
+        <a:xfrm>
+          <a:off x="0" y="0"/>
+          <a:ext cx="0" cy="0"/>
+          <a:chOff x="0" y="0"/>
+          <a:chExt cx="0" cy="0"/>
+        </a:xfrm>
+      </p:grpSpPr>
+      <p:sp>
+        <p:nvSpPr>
+          <p:cNvPr id="2" name="Title 1">
+            <a:extLst>
+              <a:ext uri="{FF2B5EF4-FFF2-40B4-BE49-F238E27FC236}">
+                <a16:creationId xmlns:a16="http://schemas.microsoft.com/office/drawing/2014/main" id="{1CE6A028-33A4-0FAA-4EC7-F799FF7C278F}"/>
+              </a:ext>
+            </a:extLst>
+          </p:cNvPr>
+          <p:cNvSpPr>
+            <a:spLocks noGrp="1"/>
+          </p:cNvSpPr>
+          <p:nvPr>
+            <p:ph type="title"/>
+          </p:nvPr>
+        </p:nvSpPr>
+        <p:spPr/>
+        <p:txBody>
+          <a:bodyPr/>
+          <a:lstStyle/>
+          <a:p>
+            <a:r>
+              <a:rPr lang="en-US" dirty="0">
+                <a:latin typeface="Dutch801 XBd BT" panose="02020903060505020304" pitchFamily="18" charset="0"/>
+              </a:rPr>
+              <a:t>Problems we face while fine tuning:</a:t>
+            </a:r>
+            <a:endParaRPr lang="en-IN" dirty="0">
+              <a:latin typeface="Dutch801 XBd BT" panose="02020903060505020304" pitchFamily="18" charset="0"/>
+            </a:endParaRPr>
+          </a:p>
+        </p:txBody>
+      </p:sp>
+      <p:sp>
+        <p:nvSpPr>
+          <p:cNvPr id="3" name="Content Placeholder 2">
+            <a:extLst>
+              <a:ext uri="{FF2B5EF4-FFF2-40B4-BE49-F238E27FC236}">
+                <a16:creationId xmlns:a16="http://schemas.microsoft.com/office/drawing/2014/main" id="{CE578A5C-073F-0AA1-2FE5-E6B221C4DBFA}"/>
+              </a:ext>
+            </a:extLst>
+          </p:cNvPr>
+          <p:cNvSpPr>
+            <a:spLocks noGrp="1"/>
+          </p:cNvSpPr>
+          <p:nvPr>
+            <p:ph idx="1"/>
+          </p:nvPr>
+        </p:nvSpPr>
+        <p:spPr/>
+        <p:txBody>
+          <a:bodyPr>
+            <a:normAutofit lnSpcReduction="10000"/>
+          </a:bodyPr>
+          <a:lstStyle/>
+          <a:p>
+            <a:r>
+              <a:rPr lang="en-US" dirty="0">
+                <a:latin typeface="Arial" panose="020B0604020202020204" pitchFamily="34" charset="0"/>
+                <a:cs typeface="Arial" panose="020B0604020202020204" pitchFamily="34" charset="0"/>
+              </a:rPr>
+              <a:t>As we know large language models has billions of parameters. Its not feasible to retrain all the weights or parameters from scratch.</a:t>
+            </a:r>
+          </a:p>
+          <a:p>
+            <a:r>
+              <a:rPr lang="en-US" dirty="0">
+                <a:latin typeface="Arial" panose="020B0604020202020204" pitchFamily="34" charset="0"/>
+                <a:cs typeface="Arial" panose="020B0604020202020204" pitchFamily="34" charset="0"/>
+              </a:rPr>
+              <a:t>We lack computational resources(GPU).</a:t>
+            </a:r>
+          </a:p>
+          <a:p>
+            <a:r>
+              <a:rPr lang="en-US" dirty="0">
+                <a:latin typeface="Arial" panose="020B0604020202020204" pitchFamily="34" charset="0"/>
+                <a:cs typeface="Arial" panose="020B0604020202020204" pitchFamily="34" charset="0"/>
+              </a:rPr>
+              <a:t>We also lack storage requirements.</a:t>
+            </a:r>
+          </a:p>
+          <a:p>
+            <a:r>
+              <a:rPr lang="en-US" dirty="0">
+                <a:latin typeface="Arial" panose="020B0604020202020204" pitchFamily="34" charset="0"/>
+                <a:cs typeface="Arial" panose="020B0604020202020204" pitchFamily="34" charset="0"/>
+              </a:rPr>
+              <a:t>To train all the parameters again it would take much time.</a:t>
+            </a:r>
+          </a:p>
+          <a:p>
+            <a:pPr marL="0" indent="0">
+              <a:buNone/>
+            </a:pPr>
+            <a:r>
+              <a:rPr lang="en-US" b="1" dirty="0">
+                <a:latin typeface="Arial" panose="020B0604020202020204" pitchFamily="34" charset="0"/>
+                <a:cs typeface="Arial" panose="020B0604020202020204" pitchFamily="34" charset="0"/>
+              </a:rPr>
+              <a:t>Solution:</a:t>
+            </a:r>
+          </a:p>
+          <a:p>
+            <a:r>
+              <a:rPr lang="en-US" dirty="0">
+                <a:latin typeface="Arial" panose="020B0604020202020204" pitchFamily="34" charset="0"/>
+                <a:cs typeface="Arial" panose="020B0604020202020204" pitchFamily="34" charset="0"/>
+              </a:rPr>
+              <a:t>To avoid above problems we use a matrix decomposition technique called </a:t>
+            </a:r>
+            <a:r>
+              <a:rPr lang="en-US" dirty="0">
+                <a:highlight>
+                  <a:srgbClr val="FFFF00"/>
+                </a:highlight>
+                <a:latin typeface="Arial" panose="020B0604020202020204" pitchFamily="34" charset="0"/>
+                <a:cs typeface="Arial" panose="020B0604020202020204" pitchFamily="34" charset="0"/>
+              </a:rPr>
+              <a:t>LoRA (Low Rank Adaptation)</a:t>
+            </a:r>
+          </a:p>
+          <a:p>
+            <a:pPr marL="0" indent="0">
+              <a:buNone/>
+            </a:pPr>
+            <a:r>
+              <a:rPr lang="en-US" b="1" dirty="0">
+                <a:latin typeface="Arial" panose="020B0604020202020204" pitchFamily="34" charset="0"/>
+                <a:cs typeface="Arial" panose="020B0604020202020204" pitchFamily="34" charset="0"/>
+              </a:rPr>
+              <a:t>Note: </a:t>
+            </a:r>
+            <a:r>
+              <a:rPr lang="en-US" dirty="0">
+                <a:latin typeface="Arial" panose="020B0604020202020204" pitchFamily="34" charset="0"/>
+                <a:cs typeface="Arial" panose="020B0604020202020204" pitchFamily="34" charset="0"/>
+              </a:rPr>
+              <a:t>LoRa is given by Microsoft in the year of 2021</a:t>
+            </a:r>
+          </a:p>
+          <a:p>
+            <a:endParaRPr lang="en-IN" dirty="0">
+              <a:latin typeface="Arial" panose="020B0604020202020204" pitchFamily="34" charset="0"/>
+              <a:cs typeface="Arial" panose="020B0604020202020204" pitchFamily="34" charset="0"/>
+            </a:endParaRPr>
+          </a:p>
+        </p:txBody>
+      </p:sp>
+    </p:spTree>
+    <p:extLst>
+      <p:ext uri="{BB962C8B-B14F-4D97-AF65-F5344CB8AC3E}">
+        <p14:creationId xmlns:p14="http://schemas.microsoft.com/office/powerpoint/2010/main" val="1828399746"/>
+      </p:ext>
+    </p:extLst>
+  </p:cSld>
+  <p:clrMapOvr>
+    <a:masterClrMapping/>
+  </p:clrMapOvr>
+</p:sld>
+</file>
+
+<file path=ppt/slides/slide6.xml><?xml version="1.0" encoding="utf-8"?>
+<p:sld xmlns:a="http://schemas.openxmlformats.org/drawingml/2006/main" xmlns:r="http://schemas.openxmlformats.org/officeDocument/2006/relationships" xmlns:p="http://schemas.openxmlformats.org/presentationml/2006/main">
+  <p:cSld>
+    <p:spTree>
+      <p:nvGrpSpPr>
+        <p:cNvPr id="1" name=""/>
+        <p:cNvGrpSpPr/>
+        <p:nvPr/>
+      </p:nvGrpSpPr>
+      <p:grpSpPr>
+        <a:xfrm>
+          <a:off x="0" y="0"/>
+          <a:ext cx="0" cy="0"/>
+          <a:chOff x="0" y="0"/>
+          <a:chExt cx="0" cy="0"/>
+        </a:xfrm>
+      </p:grpSpPr>
+      <p:sp>
+        <p:nvSpPr>
+          <p:cNvPr id="2" name="Title 1">
+            <a:extLst>
+              <a:ext uri="{FF2B5EF4-FFF2-40B4-BE49-F238E27FC236}">
+                <a16:creationId xmlns:a16="http://schemas.microsoft.com/office/drawing/2014/main" id="{1CE6A028-33A4-0FAA-4EC7-F799FF7C278F}"/>
+              </a:ext>
+            </a:extLst>
+          </p:cNvPr>
+          <p:cNvSpPr>
+            <a:spLocks noGrp="1"/>
+          </p:cNvSpPr>
+          <p:nvPr>
+            <p:ph type="title"/>
+          </p:nvPr>
+        </p:nvSpPr>
+        <p:spPr/>
+        <p:txBody>
+          <a:bodyPr/>
+          <a:lstStyle/>
+          <a:p>
+            <a:r>
+              <a:rPr lang="en-US" dirty="0">
+                <a:latin typeface="Dutch801 XBd BT" panose="02020903060505020304" pitchFamily="18" charset="0"/>
+              </a:rPr>
+              <a:t>Let’s understand working of LoRA:</a:t>
+            </a:r>
+            <a:endParaRPr lang="en-IN" dirty="0">
+              <a:latin typeface="Dutch801 XBd BT" panose="02020903060505020304" pitchFamily="18" charset="0"/>
+            </a:endParaRPr>
+          </a:p>
+        </p:txBody>
+      </p:sp>
+      <p:sp>
+        <p:nvSpPr>
+          <p:cNvPr id="3" name="Content Placeholder 2">
+            <a:extLst>
+              <a:ext uri="{FF2B5EF4-FFF2-40B4-BE49-F238E27FC236}">
+                <a16:creationId xmlns:a16="http://schemas.microsoft.com/office/drawing/2014/main" id="{CE578A5C-073F-0AA1-2FE5-E6B221C4DBFA}"/>
+              </a:ext>
+            </a:extLst>
+          </p:cNvPr>
+          <p:cNvSpPr>
+            <a:spLocks noGrp="1"/>
+          </p:cNvSpPr>
+          <p:nvPr>
+            <p:ph idx="1"/>
+          </p:nvPr>
+        </p:nvSpPr>
+        <p:spPr/>
+        <p:txBody>
+          <a:bodyPr/>
+          <a:lstStyle/>
+          <a:p>
+            <a:r>
+              <a:rPr lang="en-US" b="0" i="0" dirty="0">
+                <a:solidFill>
+                  <a:srgbClr val="242424"/>
+                </a:solidFill>
+                <a:effectLst/>
+                <a:highlight>
+                  <a:srgbClr val="FFFFFF"/>
+                </a:highlight>
+                <a:latin typeface="Arial" panose="020B0604020202020204" pitchFamily="34" charset="0"/>
+                <a:cs typeface="Arial" panose="020B0604020202020204" pitchFamily="34" charset="0"/>
+              </a:rPr>
+              <a:t>Low Rank Adaptation (LoRA) is a technique for efficiently fine-tuning large language models for new tasks.</a:t>
+            </a:r>
+            <a:endParaRPr lang="en-IN" dirty="0">
+              <a:latin typeface="Arial" panose="020B0604020202020204" pitchFamily="34" charset="0"/>
+              <a:cs typeface="Arial" panose="020B0604020202020204" pitchFamily="34" charset="0"/>
+            </a:endParaRPr>
+          </a:p>
+        </p:txBody>
+      </p:sp>
+      <p:pic>
+        <p:nvPicPr>
+          <p:cNvPr id="4" name="Picture 3">
+            <a:extLst>
+              <a:ext uri="{FF2B5EF4-FFF2-40B4-BE49-F238E27FC236}">
+                <a16:creationId xmlns:a16="http://schemas.microsoft.com/office/drawing/2014/main" id="{8B63DAA5-53FC-FC64-B414-6CF74647F822}"/>
+              </a:ext>
+            </a:extLst>
+          </p:cNvPr>
+          <p:cNvPicPr>
+            <a:picLocks noChangeAspect="1"/>
+          </p:cNvPicPr>
+          <p:nvPr/>
+        </p:nvPicPr>
+        <p:blipFill>
+          <a:blip r:embed="rId2"/>
+          <a:stretch>
+            <a:fillRect/>
+          </a:stretch>
+        </p:blipFill>
+        <p:spPr>
+          <a:xfrm>
+            <a:off x="2152650" y="2863850"/>
+            <a:ext cx="7886700" cy="3629025"/>
+          </a:xfrm>
+          <a:prstGeom prst="rect">
+            <a:avLst/>
+          </a:prstGeom>
+        </p:spPr>
+      </p:pic>
+    </p:spTree>
+    <p:extLst>
+      <p:ext uri="{BB962C8B-B14F-4D97-AF65-F5344CB8AC3E}">
+        <p14:creationId xmlns:p14="http://schemas.microsoft.com/office/powerpoint/2010/main" val="652738233"/>
+      </p:ext>
+    </p:extLst>
+  </p:cSld>
+  <p:clrMapOvr>
+    <a:masterClrMapping/>
+  </p:clrMapOvr>
+</p:sld>
+</file>
+
+<file path=ppt/slides/slide7.xml><?xml version="1.0" encoding="utf-8"?>
+<p:sld xmlns:a="http://schemas.openxmlformats.org/drawingml/2006/main" xmlns:r="http://schemas.openxmlformats.org/officeDocument/2006/relationships" xmlns:p="http://schemas.openxmlformats.org/presentationml/2006/main">
+  <p:cSld>
+    <p:spTree>
+      <p:nvGrpSpPr>
+        <p:cNvPr id="1" name=""/>
+        <p:cNvGrpSpPr/>
+        <p:nvPr/>
+      </p:nvGrpSpPr>
+      <p:grpSpPr>
+        <a:xfrm>
+          <a:off x="0" y="0"/>
+          <a:ext cx="0" cy="0"/>
+          <a:chOff x="0" y="0"/>
+          <a:chExt cx="0" cy="0"/>
+        </a:xfrm>
+      </p:grpSpPr>
+      <p:sp>
+        <p:nvSpPr>
+          <p:cNvPr id="2" name="Title 1">
+            <a:extLst>
+              <a:ext uri="{FF2B5EF4-FFF2-40B4-BE49-F238E27FC236}">
+                <a16:creationId xmlns:a16="http://schemas.microsoft.com/office/drawing/2014/main" id="{1CE6A028-33A4-0FAA-4EC7-F799FF7C278F}"/>
+              </a:ext>
+            </a:extLst>
+          </p:cNvPr>
+          <p:cNvSpPr>
+            <a:spLocks noGrp="1"/>
+          </p:cNvSpPr>
+          <p:nvPr>
+            <p:ph type="title"/>
+          </p:nvPr>
+        </p:nvSpPr>
+        <p:spPr/>
+        <p:txBody>
+          <a:bodyPr/>
+          <a:lstStyle/>
+          <a:p>
+            <a:r>
+              <a:rPr lang="en-US" dirty="0">
+                <a:latin typeface="Dutch801 XBd BT" panose="02020903060505020304" pitchFamily="18" charset="0"/>
+              </a:rPr>
+              <a:t>Let’s understand working of LoRA:</a:t>
+            </a:r>
+            <a:endParaRPr lang="en-IN" dirty="0">
+              <a:latin typeface="Dutch801 XBd BT" panose="02020903060505020304" pitchFamily="18" charset="0"/>
+            </a:endParaRPr>
+          </a:p>
+        </p:txBody>
+      </p:sp>
+      <p:sp>
+        <p:nvSpPr>
+          <p:cNvPr id="3" name="Content Placeholder 2">
+            <a:extLst>
+              <a:ext uri="{FF2B5EF4-FFF2-40B4-BE49-F238E27FC236}">
+                <a16:creationId xmlns:a16="http://schemas.microsoft.com/office/drawing/2014/main" id="{CE578A5C-073F-0AA1-2FE5-E6B221C4DBFA}"/>
+              </a:ext>
+            </a:extLst>
+          </p:cNvPr>
+          <p:cNvSpPr>
+            <a:spLocks noGrp="1"/>
+          </p:cNvSpPr>
+          <p:nvPr>
+            <p:ph idx="1"/>
+          </p:nvPr>
+        </p:nvSpPr>
+        <p:spPr/>
+        <p:txBody>
+          <a:bodyPr/>
+          <a:lstStyle/>
+          <a:p>
+            <a:r>
+              <a:rPr lang="en-US" dirty="0">
+                <a:solidFill>
+                  <a:srgbClr val="242424"/>
+                </a:solidFill>
+                <a:highlight>
+                  <a:srgbClr val="FFFFFF"/>
+                </a:highlight>
+                <a:latin typeface="Arial" panose="020B0604020202020204" pitchFamily="34" charset="0"/>
+                <a:cs typeface="Arial" panose="020B0604020202020204" pitchFamily="34" charset="0"/>
+              </a:rPr>
+              <a:t>T</a:t>
+            </a:r>
+            <a:r>
+              <a:rPr lang="en-US" b="0" i="0" dirty="0">
+                <a:solidFill>
+                  <a:srgbClr val="242424"/>
+                </a:solidFill>
+                <a:effectLst/>
+                <a:highlight>
+                  <a:srgbClr val="FFFFFF"/>
+                </a:highlight>
+                <a:latin typeface="Arial" panose="020B0604020202020204" pitchFamily="34" charset="0"/>
+                <a:cs typeface="Arial" panose="020B0604020202020204" pitchFamily="34" charset="0"/>
+              </a:rPr>
+              <a:t>he core idea here is to create a low rank representation of the weights and bias matrix and fine-tune it and keep the pre trained weights frozen during the whole time.</a:t>
+            </a:r>
+          </a:p>
+          <a:p>
+            <a:r>
+              <a:rPr lang="en-US" b="0" i="0" dirty="0">
+                <a:solidFill>
+                  <a:srgbClr val="242424"/>
+                </a:solidFill>
+                <a:effectLst/>
+                <a:highlight>
+                  <a:srgbClr val="FFFFFF"/>
+                </a:highlight>
+                <a:latin typeface="Arial" panose="020B0604020202020204" pitchFamily="34" charset="0"/>
+                <a:cs typeface="Arial" panose="020B0604020202020204" pitchFamily="34" charset="0"/>
+              </a:rPr>
+              <a:t>By training only a small fraction of the total parameters, LoRA drastically reduces the computational resources required for fine-tuning. </a:t>
+            </a:r>
+          </a:p>
+          <a:p>
+            <a:r>
+              <a:rPr lang="en-US" b="0" i="0" dirty="0">
+                <a:solidFill>
+                  <a:srgbClr val="242424"/>
+                </a:solidFill>
+                <a:effectLst/>
+                <a:highlight>
+                  <a:srgbClr val="FFFFFF"/>
+                </a:highlight>
+                <a:latin typeface="Arial" panose="020B0604020202020204" pitchFamily="34" charset="0"/>
+                <a:cs typeface="Arial" panose="020B0604020202020204" pitchFamily="34" charset="0"/>
+              </a:rPr>
+              <a:t>Less parameters also reduces the storage requirements and faster training since we do not have to calculate gradients for all parameters. </a:t>
+            </a:r>
+          </a:p>
+        </p:txBody>
+      </p:sp>
+    </p:spTree>
+    <p:extLst>
+      <p:ext uri="{BB962C8B-B14F-4D97-AF65-F5344CB8AC3E}">
+        <p14:creationId xmlns:p14="http://schemas.microsoft.com/office/powerpoint/2010/main" val="1396277164"/>
+      </p:ext>
+    </p:extLst>
+  </p:cSld>
+  <p:clrMapOvr>
+    <a:masterClrMapping/>
+  </p:clrMapOvr>
+</p:sld>
+</file>
+
+<file path=ppt/slides/slide8.xml><?xml version="1.0" encoding="utf-8"?>
 <p:sld xmlns:a="http://schemas.openxmlformats.org/drawingml/2006/main" xmlns:r="http://schemas.openxmlformats.org/officeDocument/2006/relationships" xmlns:p="http://schemas.openxmlformats.org/presentationml/2006/main">
   <p:cSld>
     <p:spTree>
